--- a/Diagrama de navegabilidad.pptx
+++ b/Diagrama de navegabilidad.pptx
@@ -6,6 +6,7 @@
   </p:sldMasterIdLst>
   <p:sldIdLst>
     <p:sldId id="256" r:id="rId2"/>
+    <p:sldId id="257" r:id="rId3"/>
   </p:sldIdLst>
   <p:sldSz cx="12192000" cy="6858000"/>
   <p:notesSz cx="6858000" cy="9144000"/>
@@ -3357,7 +3358,7 @@
         <p:spPr>
           <a:xfrm>
             <a:off x="552659" y="592853"/>
-            <a:ext cx="3223768" cy="2031325"/>
+            <a:ext cx="3223768" cy="2308324"/>
           </a:xfrm>
           <a:prstGeom prst="rect">
             <a:avLst/>
@@ -3375,12 +3376,18 @@
               <a:buAutoNum type="arabicPeriod"/>
             </a:pPr>
             <a:r>
-              <a:rPr lang="es-CO" dirty="0" err="1"/>
-              <a:t>Login</a:t>
-            </a:r>
-            <a:r>
               <a:rPr lang="es-CO" dirty="0"/>
-              <a:t> Usuario</a:t>
+              <a:t>Login Usuario</a:t>
+            </a:r>
+          </a:p>
+          <a:p>
+            <a:pPr marL="342900" indent="-342900">
+              <a:buFontTx/>
+              <a:buAutoNum type="arabicPeriod"/>
+            </a:pPr>
+            <a:r>
+              <a:rPr lang="es-CO" dirty="0"/>
+              <a:t>Home</a:t>
             </a:r>
           </a:p>
           <a:p>
@@ -3389,6 +3396,16 @@
             </a:pPr>
             <a:r>
               <a:rPr lang="es-CO" dirty="0"/>
+              <a:t>Recuperar Contraseña</a:t>
+            </a:r>
+          </a:p>
+          <a:p>
+            <a:pPr marL="342900" indent="-342900">
+              <a:buFontTx/>
+              <a:buAutoNum type="arabicPeriod"/>
+            </a:pPr>
+            <a:r>
+              <a:rPr lang="es-CO" dirty="0"/>
               <a:t>Buscar Producto</a:t>
             </a:r>
           </a:p>
@@ -3398,7 +3415,15 @@
             </a:pPr>
             <a:r>
               <a:rPr lang="es-CO" dirty="0"/>
-              <a:t>Recuperar Contraseña</a:t>
+              <a:t>Crear Usuario (</a:t>
+            </a:r>
+            <a:r>
+              <a:rPr lang="es-CO" dirty="0" err="1"/>
+              <a:t>Admin</a:t>
+            </a:r>
+            <a:r>
+              <a:rPr lang="es-CO" dirty="0"/>
+              <a:t>)</a:t>
             </a:r>
           </a:p>
           <a:p>
@@ -3407,15 +3432,7 @@
             </a:pPr>
             <a:r>
               <a:rPr lang="es-CO" dirty="0"/>
-              <a:t>Crear Usuario (</a:t>
-            </a:r>
-            <a:r>
-              <a:rPr lang="es-CO" dirty="0" err="1"/>
-              <a:t>Admin</a:t>
-            </a:r>
-            <a:r>
-              <a:rPr lang="es-CO" dirty="0"/>
-              <a:t>)</a:t>
+              <a:t>Crear producto</a:t>
             </a:r>
           </a:p>
           <a:p>
@@ -3424,7 +3441,7 @@
             </a:pPr>
             <a:r>
               <a:rPr lang="es-CO" dirty="0"/>
-              <a:t>Crear producto</a:t>
+              <a:t>Modificar inventario</a:t>
             </a:r>
           </a:p>
           <a:p>
@@ -3433,15 +3450,6 @@
             </a:pPr>
             <a:r>
               <a:rPr lang="es-CO" dirty="0"/>
-              <a:t>Modificar inventario</a:t>
-            </a:r>
-          </a:p>
-          <a:p>
-            <a:pPr marL="342900" indent="-342900">
-              <a:buAutoNum type="arabicPeriod"/>
-            </a:pPr>
-            <a:r>
-              <a:rPr lang="es-CO" dirty="0"/>
               <a:t>Actualizar/Eliminar producto</a:t>
             </a:r>
           </a:p>
@@ -3461,7 +3469,7 @@
         </p:nvSpPr>
         <p:spPr>
           <a:xfrm>
-            <a:off x="556811" y="3130668"/>
+            <a:off x="787923" y="3126930"/>
             <a:ext cx="462224" cy="582803"/>
           </a:xfrm>
           <a:prstGeom prst="ellipse">
@@ -3555,7 +3563,7 @@
         </p:nvSpPr>
         <p:spPr>
           <a:xfrm>
-            <a:off x="1702319" y="4563446"/>
+            <a:off x="2851970" y="3126930"/>
             <a:ext cx="462224" cy="582803"/>
           </a:xfrm>
           <a:prstGeom prst="ellipse">
@@ -3583,7 +3591,7 @@
             <a:pPr algn="ctr"/>
             <a:r>
               <a:rPr lang="es-CO" sz="4400" dirty="0"/>
-              <a:t>3</a:t>
+              <a:t>4</a:t>
             </a:r>
           </a:p>
         </p:txBody>
@@ -3602,7 +3610,7 @@
         </p:nvSpPr>
         <p:spPr>
           <a:xfrm>
-            <a:off x="2847827" y="3137598"/>
+            <a:off x="787923" y="4112894"/>
             <a:ext cx="462224" cy="582803"/>
           </a:xfrm>
           <a:prstGeom prst="ellipse">
@@ -3630,7 +3638,7 @@
             <a:pPr algn="ctr"/>
             <a:r>
               <a:rPr lang="es-CO" sz="4400" dirty="0"/>
-              <a:t>4</a:t>
+              <a:t>3</a:t>
             </a:r>
           </a:p>
         </p:txBody>
@@ -3776,25 +3784,72 @@
           </a:p>
         </p:txBody>
       </p:sp>
+      <p:sp>
+        <p:nvSpPr>
+          <p:cNvPr id="37" name="Elipse 36">
+            <a:extLst>
+              <a:ext uri="{FF2B5EF4-FFF2-40B4-BE49-F238E27FC236}">
+                <a16:creationId xmlns:a16="http://schemas.microsoft.com/office/drawing/2014/main" id="{B97F1247-0E9F-4D55-A4AE-88F1D005C744}"/>
+              </a:ext>
+            </a:extLst>
+          </p:cNvPr>
+          <p:cNvSpPr/>
+          <p:nvPr/>
+        </p:nvSpPr>
+        <p:spPr>
+          <a:xfrm>
+            <a:off x="2847827" y="5724090"/>
+            <a:ext cx="462224" cy="582803"/>
+          </a:xfrm>
+          <a:prstGeom prst="ellipse">
+            <a:avLst/>
+          </a:prstGeom>
+        </p:spPr>
+        <p:style>
+          <a:lnRef idx="2">
+            <a:schemeClr val="dk1"/>
+          </a:lnRef>
+          <a:fillRef idx="1">
+            <a:schemeClr val="lt1"/>
+          </a:fillRef>
+          <a:effectRef idx="0">
+            <a:schemeClr val="dk1"/>
+          </a:effectRef>
+          <a:fontRef idx="minor">
+            <a:schemeClr val="dk1"/>
+          </a:fontRef>
+        </p:style>
+        <p:txBody>
+          <a:bodyPr rtlCol="0" anchor="ctr"/>
+          <a:lstStyle/>
+          <a:p>
+            <a:pPr algn="ctr"/>
+            <a:r>
+              <a:rPr lang="es-CO" sz="4400" dirty="0"/>
+              <a:t>8</a:t>
+            </a:r>
+          </a:p>
+        </p:txBody>
+      </p:sp>
       <p:cxnSp>
         <p:nvCxnSpPr>
-          <p:cNvPr id="20" name="Conector recto de flecha 19">
-            <a:extLst>
-              <a:ext uri="{FF2B5EF4-FFF2-40B4-BE49-F238E27FC236}">
-                <a16:creationId xmlns:a16="http://schemas.microsoft.com/office/drawing/2014/main" id="{BFB0F2A3-456E-4251-9798-687962B5012D}"/>
+          <p:cNvPr id="39" name="Conector recto de flecha 38">
+            <a:extLst>
+              <a:ext uri="{FF2B5EF4-FFF2-40B4-BE49-F238E27FC236}">
+                <a16:creationId xmlns:a16="http://schemas.microsoft.com/office/drawing/2014/main" id="{087E040B-E323-4F34-A96F-D6EB296B0F1E}"/>
               </a:ext>
             </a:extLst>
           </p:cNvPr>
           <p:cNvCxnSpPr>
-            <a:stCxn id="6" idx="6"/>
-            <a:endCxn id="8" idx="2"/>
+            <a:stCxn id="5" idx="6"/>
+            <a:endCxn id="6" idx="2"/>
           </p:cNvCxnSpPr>
           <p:nvPr/>
         </p:nvCxnSpPr>
         <p:spPr>
           <a:xfrm>
-            <a:off x="2164543" y="3422069"/>
-            <a:ext cx="683284" cy="6931"/>
+            <a:off x="1250147" y="3418332"/>
+            <a:ext cx="452172" cy="3737"/>
           </a:xfrm>
           <a:prstGeom prst="straightConnector1">
             <a:avLst/>
@@ -3821,24 +3876,24 @@
       </p:cxnSp>
       <p:cxnSp>
         <p:nvCxnSpPr>
-          <p:cNvPr id="21" name="Conector recto de flecha 20">
-            <a:extLst>
-              <a:ext uri="{FF2B5EF4-FFF2-40B4-BE49-F238E27FC236}">
-                <a16:creationId xmlns:a16="http://schemas.microsoft.com/office/drawing/2014/main" id="{78E5AE25-E33F-4D7B-9ADE-1C681A73F22B}"/>
+          <p:cNvPr id="42" name="Conector recto de flecha 41">
+            <a:extLst>
+              <a:ext uri="{FF2B5EF4-FFF2-40B4-BE49-F238E27FC236}">
+                <a16:creationId xmlns:a16="http://schemas.microsoft.com/office/drawing/2014/main" id="{F347EFF2-FA98-4C89-A94F-97C951C5829D}"/>
               </a:ext>
             </a:extLst>
           </p:cNvPr>
           <p:cNvCxnSpPr>
             <a:cxnSpLocks/>
-            <a:stCxn id="5" idx="6"/>
-            <a:endCxn id="6" idx="2"/>
+            <a:stCxn id="5" idx="4"/>
+            <a:endCxn id="8" idx="0"/>
           </p:cNvCxnSpPr>
           <p:nvPr/>
         </p:nvCxnSpPr>
         <p:spPr>
-          <a:xfrm flipV="1">
-            <a:off x="1019035" y="3422069"/>
-            <a:ext cx="683284" cy="1"/>
+          <a:xfrm>
+            <a:off x="1019035" y="3709733"/>
+            <a:ext cx="0" cy="403161"/>
           </a:xfrm>
           <a:prstGeom prst="straightConnector1">
             <a:avLst/>
@@ -3865,24 +3920,23 @@
       </p:cxnSp>
       <p:cxnSp>
         <p:nvCxnSpPr>
-          <p:cNvPr id="24" name="Conector recto de flecha 23">
-            <a:extLst>
-              <a:ext uri="{FF2B5EF4-FFF2-40B4-BE49-F238E27FC236}">
-                <a16:creationId xmlns:a16="http://schemas.microsoft.com/office/drawing/2014/main" id="{C68BEF14-C7B1-469E-8ADA-94A4F29C6FC0}"/>
+          <p:cNvPr id="49" name="Conector recto de flecha 48">
+            <a:extLst>
+              <a:ext uri="{FF2B5EF4-FFF2-40B4-BE49-F238E27FC236}">
+                <a16:creationId xmlns:a16="http://schemas.microsoft.com/office/drawing/2014/main" id="{5248F8DD-AF7E-49FC-A6C4-4B453935A278}"/>
               </a:ext>
             </a:extLst>
           </p:cNvPr>
           <p:cNvCxnSpPr>
-            <a:cxnSpLocks/>
-            <a:stCxn id="5" idx="5"/>
+            <a:stCxn id="6" idx="6"/>
             <a:endCxn id="7" idx="2"/>
           </p:cNvCxnSpPr>
           <p:nvPr/>
         </p:nvCxnSpPr>
         <p:spPr>
-          <a:xfrm>
-            <a:off x="951344" y="3628121"/>
-            <a:ext cx="750975" cy="1226727"/>
+          <a:xfrm flipV="1">
+            <a:off x="2164543" y="3418332"/>
+            <a:ext cx="687427" cy="3737"/>
           </a:xfrm>
           <a:prstGeom prst="straightConnector1">
             <a:avLst/>
@@ -3909,10 +3963,10 @@
       </p:cxnSp>
       <p:cxnSp>
         <p:nvCxnSpPr>
-          <p:cNvPr id="29" name="Conector recto de flecha 28">
-            <a:extLst>
-              <a:ext uri="{FF2B5EF4-FFF2-40B4-BE49-F238E27FC236}">
-                <a16:creationId xmlns:a16="http://schemas.microsoft.com/office/drawing/2014/main" id="{BE21B45C-2EA2-4FD4-8C2C-F6B2571B9C88}"/>
+          <p:cNvPr id="52" name="Conector recto de flecha 51">
+            <a:extLst>
+              <a:ext uri="{FF2B5EF4-FFF2-40B4-BE49-F238E27FC236}">
+                <a16:creationId xmlns:a16="http://schemas.microsoft.com/office/drawing/2014/main" id="{72EC263E-F67A-48C6-B9A1-1403C1F9742E}"/>
               </a:ext>
             </a:extLst>
           </p:cNvPr>
@@ -3952,10 +4006,10 @@
       </p:cxnSp>
       <p:cxnSp>
         <p:nvCxnSpPr>
-          <p:cNvPr id="31" name="Conector recto de flecha 30">
-            <a:extLst>
-              <a:ext uri="{FF2B5EF4-FFF2-40B4-BE49-F238E27FC236}">
-                <a16:creationId xmlns:a16="http://schemas.microsoft.com/office/drawing/2014/main" id="{09BE1F3F-B4EB-4FC7-B78A-151F34101124}"/>
+          <p:cNvPr id="54" name="Conector recto de flecha 53">
+            <a:extLst>
+              <a:ext uri="{FF2B5EF4-FFF2-40B4-BE49-F238E27FC236}">
+                <a16:creationId xmlns:a16="http://schemas.microsoft.com/office/drawing/2014/main" id="{F29E1375-66F8-4725-AD17-CA787200713D}"/>
               </a:ext>
             </a:extLst>
           </p:cNvPr>
@@ -3996,24 +4050,67 @@
       </p:cxnSp>
       <p:cxnSp>
         <p:nvCxnSpPr>
-          <p:cNvPr id="34" name="Conector recto de flecha 33">
-            <a:extLst>
-              <a:ext uri="{FF2B5EF4-FFF2-40B4-BE49-F238E27FC236}">
-                <a16:creationId xmlns:a16="http://schemas.microsoft.com/office/drawing/2014/main" id="{094BB8D1-5008-402E-BE5C-186B4008563B}"/>
+          <p:cNvPr id="62" name="Conector recto de flecha 61">
+            <a:extLst>
+              <a:ext uri="{FF2B5EF4-FFF2-40B4-BE49-F238E27FC236}">
+                <a16:creationId xmlns:a16="http://schemas.microsoft.com/office/drawing/2014/main" id="{355258EA-16AE-4D51-8512-6B22C16FC817}"/>
               </a:ext>
             </a:extLst>
           </p:cNvPr>
           <p:cNvCxnSpPr>
             <a:cxnSpLocks/>
-            <a:stCxn id="6" idx="4"/>
+            <a:stCxn id="6" idx="5"/>
             <a:endCxn id="11" idx="2"/>
           </p:cNvCxnSpPr>
           <p:nvPr/>
         </p:nvCxnSpPr>
         <p:spPr>
           <a:xfrm>
+            <a:off x="2096852" y="3628120"/>
+            <a:ext cx="756080" cy="1764375"/>
+          </a:xfrm>
+          <a:prstGeom prst="straightConnector1">
+            <a:avLst/>
+          </a:prstGeom>
+          <a:ln>
+            <a:headEnd type="triangle"/>
+            <a:tailEnd type="triangle"/>
+          </a:ln>
+        </p:spPr>
+        <p:style>
+          <a:lnRef idx="1">
+            <a:schemeClr val="dk1"/>
+          </a:lnRef>
+          <a:fillRef idx="0">
+            <a:schemeClr val="dk1"/>
+          </a:fillRef>
+          <a:effectRef idx="0">
+            <a:schemeClr val="dk1"/>
+          </a:effectRef>
+          <a:fontRef idx="minor">
+            <a:schemeClr val="tx1"/>
+          </a:fontRef>
+        </p:style>
+      </p:cxnSp>
+      <p:cxnSp>
+        <p:nvCxnSpPr>
+          <p:cNvPr id="65" name="Conector recto de flecha 64">
+            <a:extLst>
+              <a:ext uri="{FF2B5EF4-FFF2-40B4-BE49-F238E27FC236}">
+                <a16:creationId xmlns:a16="http://schemas.microsoft.com/office/drawing/2014/main" id="{3D8BD87B-BD00-48BF-987A-EF9EA9D39E68}"/>
+              </a:ext>
+            </a:extLst>
+          </p:cNvPr>
+          <p:cNvCxnSpPr>
+            <a:stCxn id="6" idx="4"/>
+            <a:endCxn id="37" idx="2"/>
+          </p:cNvCxnSpPr>
+          <p:nvPr/>
+        </p:nvCxnSpPr>
+        <p:spPr>
+          <a:xfrm>
             <a:off x="1933431" y="3713470"/>
-            <a:ext cx="919501" cy="1679025"/>
+            <a:ext cx="914396" cy="2302022"/>
           </a:xfrm>
           <a:prstGeom prst="straightConnector1">
             <a:avLst/>
@@ -4042,6 +4139,714 @@
     <p:extLst>
       <p:ext uri="{BB962C8B-B14F-4D97-AF65-F5344CB8AC3E}">
         <p14:creationId xmlns:p14="http://schemas.microsoft.com/office/powerpoint/2010/main" val="1538225064"/>
+      </p:ext>
+    </p:extLst>
+  </p:cSld>
+  <p:clrMapOvr>
+    <a:masterClrMapping/>
+  </p:clrMapOvr>
+</p:sld>
+</file>
+
+<file path=ppt/slides/slide2.xml><?xml version="1.0" encoding="utf-8"?>
+<p:sld xmlns:a="http://schemas.openxmlformats.org/drawingml/2006/main" xmlns:r="http://schemas.openxmlformats.org/officeDocument/2006/relationships" xmlns:p="http://schemas.openxmlformats.org/presentationml/2006/main">
+  <p:cSld>
+    <p:spTree>
+      <p:nvGrpSpPr>
+        <p:cNvPr id="1" name=""/>
+        <p:cNvGrpSpPr/>
+        <p:nvPr/>
+      </p:nvGrpSpPr>
+      <p:grpSpPr>
+        <a:xfrm>
+          <a:off x="0" y="0"/>
+          <a:ext cx="0" cy="0"/>
+          <a:chOff x="0" y="0"/>
+          <a:chExt cx="0" cy="0"/>
+        </a:xfrm>
+      </p:grpSpPr>
+      <p:sp>
+        <p:nvSpPr>
+          <p:cNvPr id="5" name="Rectángulo 4">
+            <a:extLst>
+              <a:ext uri="{FF2B5EF4-FFF2-40B4-BE49-F238E27FC236}">
+                <a16:creationId xmlns:a16="http://schemas.microsoft.com/office/drawing/2014/main" id="{8BC20224-1EB3-453E-A6B7-FCAD1EFD660A}"/>
+              </a:ext>
+            </a:extLst>
+          </p:cNvPr>
+          <p:cNvSpPr/>
+          <p:nvPr/>
+        </p:nvSpPr>
+        <p:spPr>
+          <a:xfrm>
+            <a:off x="5446207" y="783772"/>
+            <a:ext cx="1145512" cy="633046"/>
+          </a:xfrm>
+          <a:prstGeom prst="rect">
+            <a:avLst/>
+          </a:prstGeom>
+        </p:spPr>
+        <p:style>
+          <a:lnRef idx="2">
+            <a:schemeClr val="dk1"/>
+          </a:lnRef>
+          <a:fillRef idx="1">
+            <a:schemeClr val="lt1"/>
+          </a:fillRef>
+          <a:effectRef idx="0">
+            <a:schemeClr val="dk1"/>
+          </a:effectRef>
+          <a:fontRef idx="minor">
+            <a:schemeClr val="dk1"/>
+          </a:fontRef>
+        </p:style>
+        <p:txBody>
+          <a:bodyPr rtlCol="0" anchor="ctr"/>
+          <a:lstStyle/>
+          <a:p>
+            <a:pPr algn="ctr"/>
+            <a:r>
+              <a:rPr lang="es-CO" dirty="0"/>
+              <a:t>Login Usuario</a:t>
+            </a:r>
+          </a:p>
+        </p:txBody>
+      </p:sp>
+      <p:sp>
+        <p:nvSpPr>
+          <p:cNvPr id="9" name="Rectángulo: esquinas redondeadas 8">
+            <a:extLst>
+              <a:ext uri="{FF2B5EF4-FFF2-40B4-BE49-F238E27FC236}">
+                <a16:creationId xmlns:a16="http://schemas.microsoft.com/office/drawing/2014/main" id="{BFC175D3-4290-4BB8-979F-6561AD467E27}"/>
+              </a:ext>
+            </a:extLst>
+          </p:cNvPr>
+          <p:cNvSpPr/>
+          <p:nvPr/>
+        </p:nvSpPr>
+        <p:spPr>
+          <a:xfrm>
+            <a:off x="7224765" y="874207"/>
+            <a:ext cx="1145512" cy="452176"/>
+          </a:xfrm>
+          <a:prstGeom prst="roundRect">
+            <a:avLst/>
+          </a:prstGeom>
+        </p:spPr>
+        <p:style>
+          <a:lnRef idx="2">
+            <a:schemeClr val="dk1"/>
+          </a:lnRef>
+          <a:fillRef idx="1">
+            <a:schemeClr val="lt1"/>
+          </a:fillRef>
+          <a:effectRef idx="0">
+            <a:schemeClr val="dk1"/>
+          </a:effectRef>
+          <a:fontRef idx="minor">
+            <a:schemeClr val="dk1"/>
+          </a:fontRef>
+        </p:style>
+        <p:txBody>
+          <a:bodyPr rtlCol="0" anchor="ctr"/>
+          <a:lstStyle/>
+          <a:p>
+            <a:pPr algn="ctr"/>
+            <a:r>
+              <a:rPr lang="es-CO" sz="1400" dirty="0"/>
+              <a:t>Recuperar Contraseña</a:t>
+            </a:r>
+          </a:p>
+        </p:txBody>
+      </p:sp>
+      <p:cxnSp>
+        <p:nvCxnSpPr>
+          <p:cNvPr id="11" name="Conector recto de flecha 10">
+            <a:extLst>
+              <a:ext uri="{FF2B5EF4-FFF2-40B4-BE49-F238E27FC236}">
+                <a16:creationId xmlns:a16="http://schemas.microsoft.com/office/drawing/2014/main" id="{F37CE0DB-E778-4632-BB6C-9480B5E66709}"/>
+              </a:ext>
+            </a:extLst>
+          </p:cNvPr>
+          <p:cNvCxnSpPr>
+            <a:stCxn id="5" idx="3"/>
+            <a:endCxn id="9" idx="1"/>
+          </p:cNvCxnSpPr>
+          <p:nvPr/>
+        </p:nvCxnSpPr>
+        <p:spPr>
+          <a:xfrm>
+            <a:off x="6591719" y="1100295"/>
+            <a:ext cx="633046" cy="0"/>
+          </a:xfrm>
+          <a:prstGeom prst="straightConnector1">
+            <a:avLst/>
+          </a:prstGeom>
+          <a:ln>
+            <a:headEnd type="triangle"/>
+            <a:tailEnd type="triangle"/>
+          </a:ln>
+        </p:spPr>
+        <p:style>
+          <a:lnRef idx="1">
+            <a:schemeClr val="dk1"/>
+          </a:lnRef>
+          <a:fillRef idx="0">
+            <a:schemeClr val="dk1"/>
+          </a:fillRef>
+          <a:effectRef idx="0">
+            <a:schemeClr val="dk1"/>
+          </a:effectRef>
+          <a:fontRef idx="minor">
+            <a:schemeClr val="tx1"/>
+          </a:fontRef>
+        </p:style>
+      </p:cxnSp>
+      <p:sp>
+        <p:nvSpPr>
+          <p:cNvPr id="12" name="Rectángulo 11">
+            <a:extLst>
+              <a:ext uri="{FF2B5EF4-FFF2-40B4-BE49-F238E27FC236}">
+                <a16:creationId xmlns:a16="http://schemas.microsoft.com/office/drawing/2014/main" id="{F88B9CD3-A5BB-432A-A664-B72E84004DE5}"/>
+              </a:ext>
+            </a:extLst>
+          </p:cNvPr>
+          <p:cNvSpPr/>
+          <p:nvPr/>
+        </p:nvSpPr>
+        <p:spPr>
+          <a:xfrm>
+            <a:off x="5446207" y="1947982"/>
+            <a:ext cx="1145512" cy="633046"/>
+          </a:xfrm>
+          <a:prstGeom prst="rect">
+            <a:avLst/>
+          </a:prstGeom>
+        </p:spPr>
+        <p:style>
+          <a:lnRef idx="2">
+            <a:schemeClr val="dk1"/>
+          </a:lnRef>
+          <a:fillRef idx="1">
+            <a:schemeClr val="lt1"/>
+          </a:fillRef>
+          <a:effectRef idx="0">
+            <a:schemeClr val="dk1"/>
+          </a:effectRef>
+          <a:fontRef idx="minor">
+            <a:schemeClr val="dk1"/>
+          </a:fontRef>
+        </p:style>
+        <p:txBody>
+          <a:bodyPr rtlCol="0" anchor="ctr"/>
+          <a:lstStyle/>
+          <a:p>
+            <a:pPr algn="ctr"/>
+            <a:r>
+              <a:rPr lang="es-CO" dirty="0"/>
+              <a:t>Home</a:t>
+            </a:r>
+          </a:p>
+        </p:txBody>
+      </p:sp>
+      <p:cxnSp>
+        <p:nvCxnSpPr>
+          <p:cNvPr id="14" name="Conector recto de flecha 13">
+            <a:extLst>
+              <a:ext uri="{FF2B5EF4-FFF2-40B4-BE49-F238E27FC236}">
+                <a16:creationId xmlns:a16="http://schemas.microsoft.com/office/drawing/2014/main" id="{9B4E6A2E-0E2D-4D37-A632-85D604843684}"/>
+              </a:ext>
+            </a:extLst>
+          </p:cNvPr>
+          <p:cNvCxnSpPr>
+            <a:stCxn id="5" idx="2"/>
+            <a:endCxn id="12" idx="0"/>
+          </p:cNvCxnSpPr>
+          <p:nvPr/>
+        </p:nvCxnSpPr>
+        <p:spPr>
+          <a:xfrm>
+            <a:off x="6018963" y="1416818"/>
+            <a:ext cx="0" cy="531164"/>
+          </a:xfrm>
+          <a:prstGeom prst="straightConnector1">
+            <a:avLst/>
+          </a:prstGeom>
+          <a:ln>
+            <a:headEnd type="triangle"/>
+            <a:tailEnd type="triangle"/>
+          </a:ln>
+        </p:spPr>
+        <p:style>
+          <a:lnRef idx="1">
+            <a:schemeClr val="dk1"/>
+          </a:lnRef>
+          <a:fillRef idx="0">
+            <a:schemeClr val="dk1"/>
+          </a:fillRef>
+          <a:effectRef idx="0">
+            <a:schemeClr val="dk1"/>
+          </a:effectRef>
+          <a:fontRef idx="minor">
+            <a:schemeClr val="tx1"/>
+          </a:fontRef>
+        </p:style>
+      </p:cxnSp>
+      <p:sp>
+        <p:nvSpPr>
+          <p:cNvPr id="16" name="Rectángulo 15">
+            <a:extLst>
+              <a:ext uri="{FF2B5EF4-FFF2-40B4-BE49-F238E27FC236}">
+                <a16:creationId xmlns:a16="http://schemas.microsoft.com/office/drawing/2014/main" id="{F05D1FA2-D76D-4D0C-9E08-F3A730B05098}"/>
+              </a:ext>
+            </a:extLst>
+          </p:cNvPr>
+          <p:cNvSpPr/>
+          <p:nvPr/>
+        </p:nvSpPr>
+        <p:spPr>
+          <a:xfrm>
+            <a:off x="1609412" y="3643927"/>
+            <a:ext cx="1145512" cy="633046"/>
+          </a:xfrm>
+          <a:prstGeom prst="rect">
+            <a:avLst/>
+          </a:prstGeom>
+        </p:spPr>
+        <p:style>
+          <a:lnRef idx="2">
+            <a:schemeClr val="dk1"/>
+          </a:lnRef>
+          <a:fillRef idx="1">
+            <a:schemeClr val="lt1"/>
+          </a:fillRef>
+          <a:effectRef idx="0">
+            <a:schemeClr val="dk1"/>
+          </a:effectRef>
+          <a:fontRef idx="minor">
+            <a:schemeClr val="dk1"/>
+          </a:fontRef>
+        </p:style>
+        <p:txBody>
+          <a:bodyPr rtlCol="0" anchor="ctr"/>
+          <a:lstStyle/>
+          <a:p>
+            <a:pPr algn="ctr"/>
+            <a:r>
+              <a:rPr lang="es-CO" dirty="0"/>
+              <a:t>Buscar Producto</a:t>
+            </a:r>
+          </a:p>
+        </p:txBody>
+      </p:sp>
+      <p:sp>
+        <p:nvSpPr>
+          <p:cNvPr id="17" name="Rectángulo 16">
+            <a:extLst>
+              <a:ext uri="{FF2B5EF4-FFF2-40B4-BE49-F238E27FC236}">
+                <a16:creationId xmlns:a16="http://schemas.microsoft.com/office/drawing/2014/main" id="{395DF249-2A34-48EF-BDA5-10E06C96F00B}"/>
+              </a:ext>
+            </a:extLst>
+          </p:cNvPr>
+          <p:cNvSpPr/>
+          <p:nvPr/>
+        </p:nvSpPr>
+        <p:spPr>
+          <a:xfrm>
+            <a:off x="3667649" y="3643642"/>
+            <a:ext cx="1145512" cy="633046"/>
+          </a:xfrm>
+          <a:prstGeom prst="rect">
+            <a:avLst/>
+          </a:prstGeom>
+        </p:spPr>
+        <p:style>
+          <a:lnRef idx="2">
+            <a:schemeClr val="dk1"/>
+          </a:lnRef>
+          <a:fillRef idx="1">
+            <a:schemeClr val="lt1"/>
+          </a:fillRef>
+          <a:effectRef idx="0">
+            <a:schemeClr val="dk1"/>
+          </a:effectRef>
+          <a:fontRef idx="minor">
+            <a:schemeClr val="dk1"/>
+          </a:fontRef>
+        </p:style>
+        <p:txBody>
+          <a:bodyPr rtlCol="0" anchor="ctr"/>
+          <a:lstStyle/>
+          <a:p>
+            <a:pPr algn="ctr"/>
+            <a:r>
+              <a:rPr lang="es-CO" dirty="0"/>
+              <a:t>Crear Usuario</a:t>
+            </a:r>
+          </a:p>
+        </p:txBody>
+      </p:sp>
+      <p:sp>
+        <p:nvSpPr>
+          <p:cNvPr id="18" name="Rectángulo 17">
+            <a:extLst>
+              <a:ext uri="{FF2B5EF4-FFF2-40B4-BE49-F238E27FC236}">
+                <a16:creationId xmlns:a16="http://schemas.microsoft.com/office/drawing/2014/main" id="{4F8C8626-018E-434C-9185-C6AE88846729}"/>
+              </a:ext>
+            </a:extLst>
+          </p:cNvPr>
+          <p:cNvSpPr/>
+          <p:nvPr/>
+        </p:nvSpPr>
+        <p:spPr>
+          <a:xfrm>
+            <a:off x="5446207" y="3643642"/>
+            <a:ext cx="1145512" cy="633046"/>
+          </a:xfrm>
+          <a:prstGeom prst="rect">
+            <a:avLst/>
+          </a:prstGeom>
+        </p:spPr>
+        <p:style>
+          <a:lnRef idx="2">
+            <a:schemeClr val="dk1"/>
+          </a:lnRef>
+          <a:fillRef idx="1">
+            <a:schemeClr val="lt1"/>
+          </a:fillRef>
+          <a:effectRef idx="0">
+            <a:schemeClr val="dk1"/>
+          </a:effectRef>
+          <a:fontRef idx="minor">
+            <a:schemeClr val="dk1"/>
+          </a:fontRef>
+        </p:style>
+        <p:txBody>
+          <a:bodyPr rtlCol="0" anchor="ctr"/>
+          <a:lstStyle/>
+          <a:p>
+            <a:pPr algn="ctr"/>
+            <a:r>
+              <a:rPr lang="es-CO" dirty="0"/>
+              <a:t>Crear Producto</a:t>
+            </a:r>
+          </a:p>
+        </p:txBody>
+      </p:sp>
+      <p:sp>
+        <p:nvSpPr>
+          <p:cNvPr id="19" name="Rectángulo 18">
+            <a:extLst>
+              <a:ext uri="{FF2B5EF4-FFF2-40B4-BE49-F238E27FC236}">
+                <a16:creationId xmlns:a16="http://schemas.microsoft.com/office/drawing/2014/main" id="{EE772701-BD31-40EE-A8A5-B55D5D7F74B0}"/>
+              </a:ext>
+            </a:extLst>
+          </p:cNvPr>
+          <p:cNvSpPr/>
+          <p:nvPr/>
+        </p:nvSpPr>
+        <p:spPr>
+          <a:xfrm>
+            <a:off x="7224765" y="3643642"/>
+            <a:ext cx="1145512" cy="633046"/>
+          </a:xfrm>
+          <a:prstGeom prst="rect">
+            <a:avLst/>
+          </a:prstGeom>
+        </p:spPr>
+        <p:style>
+          <a:lnRef idx="2">
+            <a:schemeClr val="dk1"/>
+          </a:lnRef>
+          <a:fillRef idx="1">
+            <a:schemeClr val="lt1"/>
+          </a:fillRef>
+          <a:effectRef idx="0">
+            <a:schemeClr val="dk1"/>
+          </a:effectRef>
+          <a:fontRef idx="minor">
+            <a:schemeClr val="dk1"/>
+          </a:fontRef>
+        </p:style>
+        <p:txBody>
+          <a:bodyPr rtlCol="0" anchor="ctr"/>
+          <a:lstStyle/>
+          <a:p>
+            <a:pPr algn="ctr"/>
+            <a:r>
+              <a:rPr lang="es-CO" dirty="0"/>
+              <a:t>Modificar Inventario</a:t>
+            </a:r>
+          </a:p>
+        </p:txBody>
+      </p:sp>
+      <p:sp>
+        <p:nvSpPr>
+          <p:cNvPr id="20" name="Rectángulo 19">
+            <a:extLst>
+              <a:ext uri="{FF2B5EF4-FFF2-40B4-BE49-F238E27FC236}">
+                <a16:creationId xmlns:a16="http://schemas.microsoft.com/office/drawing/2014/main" id="{5248478E-8A8E-4BA4-A47E-DC2D5132C592}"/>
+              </a:ext>
+            </a:extLst>
+          </p:cNvPr>
+          <p:cNvSpPr/>
+          <p:nvPr/>
+        </p:nvSpPr>
+        <p:spPr>
+          <a:xfrm>
+            <a:off x="9003322" y="3643642"/>
+            <a:ext cx="1959429" cy="633046"/>
+          </a:xfrm>
+          <a:prstGeom prst="rect">
+            <a:avLst/>
+          </a:prstGeom>
+        </p:spPr>
+        <p:style>
+          <a:lnRef idx="2">
+            <a:schemeClr val="dk1"/>
+          </a:lnRef>
+          <a:fillRef idx="1">
+            <a:schemeClr val="lt1"/>
+          </a:fillRef>
+          <a:effectRef idx="0">
+            <a:schemeClr val="dk1"/>
+          </a:effectRef>
+          <a:fontRef idx="minor">
+            <a:schemeClr val="dk1"/>
+          </a:fontRef>
+        </p:style>
+        <p:txBody>
+          <a:bodyPr rtlCol="0" anchor="ctr"/>
+          <a:lstStyle/>
+          <a:p>
+            <a:pPr algn="ctr"/>
+            <a:r>
+              <a:rPr lang="es-CO" dirty="0"/>
+              <a:t>Actualizar/Eliminar producto</a:t>
+            </a:r>
+          </a:p>
+        </p:txBody>
+      </p:sp>
+      <p:cxnSp>
+        <p:nvCxnSpPr>
+          <p:cNvPr id="22" name="Conector: angular 21">
+            <a:extLst>
+              <a:ext uri="{FF2B5EF4-FFF2-40B4-BE49-F238E27FC236}">
+                <a16:creationId xmlns:a16="http://schemas.microsoft.com/office/drawing/2014/main" id="{9093F4D9-B81C-4A4B-B3DD-B1A25735D3C3}"/>
+              </a:ext>
+            </a:extLst>
+          </p:cNvPr>
+          <p:cNvCxnSpPr>
+            <a:stCxn id="12" idx="1"/>
+            <a:endCxn id="16" idx="0"/>
+          </p:cNvCxnSpPr>
+          <p:nvPr/>
+        </p:nvCxnSpPr>
+        <p:spPr>
+          <a:xfrm rot="10800000" flipV="1">
+            <a:off x="2182169" y="2264505"/>
+            <a:ext cx="3264039" cy="1379422"/>
+          </a:xfrm>
+          <a:prstGeom prst="bentConnector2">
+            <a:avLst/>
+          </a:prstGeom>
+          <a:ln>
+            <a:headEnd type="triangle"/>
+            <a:tailEnd type="triangle"/>
+          </a:ln>
+        </p:spPr>
+        <p:style>
+          <a:lnRef idx="1">
+            <a:schemeClr val="dk1"/>
+          </a:lnRef>
+          <a:fillRef idx="0">
+            <a:schemeClr val="dk1"/>
+          </a:fillRef>
+          <a:effectRef idx="0">
+            <a:schemeClr val="dk1"/>
+          </a:effectRef>
+          <a:fontRef idx="minor">
+            <a:schemeClr val="tx1"/>
+          </a:fontRef>
+        </p:style>
+      </p:cxnSp>
+      <p:cxnSp>
+        <p:nvCxnSpPr>
+          <p:cNvPr id="24" name="Conector: angular 23">
+            <a:extLst>
+              <a:ext uri="{FF2B5EF4-FFF2-40B4-BE49-F238E27FC236}">
+                <a16:creationId xmlns:a16="http://schemas.microsoft.com/office/drawing/2014/main" id="{E37B3728-8A05-4026-B2F9-06219C3BCB9D}"/>
+              </a:ext>
+            </a:extLst>
+          </p:cNvPr>
+          <p:cNvCxnSpPr>
+            <a:stCxn id="12" idx="1"/>
+            <a:endCxn id="17" idx="0"/>
+          </p:cNvCxnSpPr>
+          <p:nvPr/>
+        </p:nvCxnSpPr>
+        <p:spPr>
+          <a:xfrm rot="10800000" flipV="1">
+            <a:off x="4240405" y="2264504"/>
+            <a:ext cx="1205802" cy="1379137"/>
+          </a:xfrm>
+          <a:prstGeom prst="bentConnector2">
+            <a:avLst/>
+          </a:prstGeom>
+          <a:ln>
+            <a:headEnd type="triangle"/>
+            <a:tailEnd type="triangle"/>
+          </a:ln>
+        </p:spPr>
+        <p:style>
+          <a:lnRef idx="1">
+            <a:schemeClr val="dk1"/>
+          </a:lnRef>
+          <a:fillRef idx="0">
+            <a:schemeClr val="dk1"/>
+          </a:fillRef>
+          <a:effectRef idx="0">
+            <a:schemeClr val="dk1"/>
+          </a:effectRef>
+          <a:fontRef idx="minor">
+            <a:schemeClr val="tx1"/>
+          </a:fontRef>
+        </p:style>
+      </p:cxnSp>
+      <p:cxnSp>
+        <p:nvCxnSpPr>
+          <p:cNvPr id="31" name="Conector: angular 30">
+            <a:extLst>
+              <a:ext uri="{FF2B5EF4-FFF2-40B4-BE49-F238E27FC236}">
+                <a16:creationId xmlns:a16="http://schemas.microsoft.com/office/drawing/2014/main" id="{0A57676D-ED32-4D65-9A4B-86DEFC8A71BA}"/>
+              </a:ext>
+            </a:extLst>
+          </p:cNvPr>
+          <p:cNvCxnSpPr>
+            <a:stCxn id="12" idx="3"/>
+            <a:endCxn id="20" idx="0"/>
+          </p:cNvCxnSpPr>
+          <p:nvPr/>
+        </p:nvCxnSpPr>
+        <p:spPr>
+          <a:xfrm>
+            <a:off x="6591719" y="2264505"/>
+            <a:ext cx="3391318" cy="1379137"/>
+          </a:xfrm>
+          <a:prstGeom prst="bentConnector2">
+            <a:avLst/>
+          </a:prstGeom>
+          <a:ln>
+            <a:headEnd type="triangle"/>
+            <a:tailEnd type="triangle"/>
+          </a:ln>
+        </p:spPr>
+        <p:style>
+          <a:lnRef idx="1">
+            <a:schemeClr val="dk1"/>
+          </a:lnRef>
+          <a:fillRef idx="0">
+            <a:schemeClr val="dk1"/>
+          </a:fillRef>
+          <a:effectRef idx="0">
+            <a:schemeClr val="dk1"/>
+          </a:effectRef>
+          <a:fontRef idx="minor">
+            <a:schemeClr val="tx1"/>
+          </a:fontRef>
+        </p:style>
+      </p:cxnSp>
+      <p:cxnSp>
+        <p:nvCxnSpPr>
+          <p:cNvPr id="32" name="Conector: angular 31">
+            <a:extLst>
+              <a:ext uri="{FF2B5EF4-FFF2-40B4-BE49-F238E27FC236}">
+                <a16:creationId xmlns:a16="http://schemas.microsoft.com/office/drawing/2014/main" id="{CE847A33-C6D8-4663-86C2-39E5FB39FFCD}"/>
+              </a:ext>
+            </a:extLst>
+          </p:cNvPr>
+          <p:cNvCxnSpPr>
+            <a:cxnSpLocks/>
+            <a:stCxn id="12" idx="3"/>
+            <a:endCxn id="19" idx="0"/>
+          </p:cNvCxnSpPr>
+          <p:nvPr/>
+        </p:nvCxnSpPr>
+        <p:spPr>
+          <a:xfrm>
+            <a:off x="6591719" y="2264505"/>
+            <a:ext cx="1205802" cy="1379137"/>
+          </a:xfrm>
+          <a:prstGeom prst="bentConnector2">
+            <a:avLst/>
+          </a:prstGeom>
+          <a:ln>
+            <a:headEnd type="triangle"/>
+            <a:tailEnd type="triangle"/>
+          </a:ln>
+        </p:spPr>
+        <p:style>
+          <a:lnRef idx="1">
+            <a:schemeClr val="dk1"/>
+          </a:lnRef>
+          <a:fillRef idx="0">
+            <a:schemeClr val="dk1"/>
+          </a:fillRef>
+          <a:effectRef idx="0">
+            <a:schemeClr val="dk1"/>
+          </a:effectRef>
+          <a:fontRef idx="minor">
+            <a:schemeClr val="tx1"/>
+          </a:fontRef>
+        </p:style>
+      </p:cxnSp>
+      <p:cxnSp>
+        <p:nvCxnSpPr>
+          <p:cNvPr id="36" name="Conector: angular 35">
+            <a:extLst>
+              <a:ext uri="{FF2B5EF4-FFF2-40B4-BE49-F238E27FC236}">
+                <a16:creationId xmlns:a16="http://schemas.microsoft.com/office/drawing/2014/main" id="{046A6857-1FA8-4EF4-82DB-6A48BD331CF9}"/>
+              </a:ext>
+            </a:extLst>
+          </p:cNvPr>
+          <p:cNvCxnSpPr>
+            <a:stCxn id="12" idx="2"/>
+            <a:endCxn id="18" idx="0"/>
+          </p:cNvCxnSpPr>
+          <p:nvPr/>
+        </p:nvCxnSpPr>
+        <p:spPr>
+          <a:xfrm rot="5400000">
+            <a:off x="5487656" y="3112335"/>
+            <a:ext cx="1062614" cy="12700"/>
+          </a:xfrm>
+          <a:prstGeom prst="bentConnector3">
+            <a:avLst/>
+          </a:prstGeom>
+          <a:ln>
+            <a:headEnd type="triangle"/>
+            <a:tailEnd type="triangle"/>
+          </a:ln>
+        </p:spPr>
+        <p:style>
+          <a:lnRef idx="1">
+            <a:schemeClr val="dk1"/>
+          </a:lnRef>
+          <a:fillRef idx="0">
+            <a:schemeClr val="dk1"/>
+          </a:fillRef>
+          <a:effectRef idx="0">
+            <a:schemeClr val="dk1"/>
+          </a:effectRef>
+          <a:fontRef idx="minor">
+            <a:schemeClr val="tx1"/>
+          </a:fontRef>
+        </p:style>
+      </p:cxnSp>
+    </p:spTree>
+    <p:extLst>
+      <p:ext uri="{BB962C8B-B14F-4D97-AF65-F5344CB8AC3E}">
+        <p14:creationId xmlns:p14="http://schemas.microsoft.com/office/powerpoint/2010/main" val="2783625001"/>
       </p:ext>
     </p:extLst>
   </p:cSld>
